--- a/React-demo.pptx
+++ b/React-demo.pptx
@@ -110,6 +110,11 @@
       </a:defRPr>
     </a:lvl9pPr>
   </p:defaultTextStyle>
+  <p:extLst>
+    <p:ext uri="{EFAFB233-063F-42B5-8137-9DF3F51BA10A}">
+      <p15:sldGuideLst xmlns:p15="http://schemas.microsoft.com/office/powerpoint/2012/main"/>
+    </p:ext>
+  </p:extLst>
 </p:presentation>
 </file>
 
@@ -4588,7 +4593,7 @@
               <a:t>/nickanna42/</a:t>
             </a:r>
             <a:r>
-              <a:rPr lang="en-US" sz="3200" dirty="0" err="1">
+              <a:rPr lang="en-US" sz="3200">
                 <a:solidFill>
                   <a:srgbClr val="82D7F7"/>
                 </a:solidFill>
@@ -4679,75 +4684,6 @@
               </a:rPr>
               <a:t>Questions?</a:t>
             </a:r>
-          </a:p>
-        </p:txBody>
-      </p:sp>
-      <p:sp>
-        <p:nvSpPr>
-          <p:cNvPr id="7" name="TextBox 6">
-            <a:extLst>
-              <a:ext uri="{FF2B5EF4-FFF2-40B4-BE49-F238E27FC236}">
-                <a16:creationId xmlns:a16="http://schemas.microsoft.com/office/drawing/2014/main" id="{A691DC8D-4478-D04E-B103-AE8C64D8D0AA}"/>
-              </a:ext>
-            </a:extLst>
-          </p:cNvPr>
-          <p:cNvSpPr txBox="1"/>
-          <p:nvPr/>
-        </p:nvSpPr>
-        <p:spPr>
-          <a:xfrm>
-            <a:off x="1098721" y="1802713"/>
-            <a:ext cx="9994557" cy="584775"/>
-          </a:xfrm>
-          <a:prstGeom prst="rect">
-            <a:avLst/>
-          </a:prstGeom>
-          <a:noFill/>
-        </p:spPr>
-        <p:txBody>
-          <a:bodyPr wrap="square" rtlCol="0">
-            <a:spAutoFit/>
-          </a:bodyPr>
-          <a:lstStyle/>
-          <a:p>
-            <a:pPr lvl="1"/>
-            <a:r>
-              <a:rPr lang="en-US" sz="3200" dirty="0">
-                <a:solidFill>
-                  <a:srgbClr val="82D7F7"/>
-                </a:solidFill>
-              </a:rPr>
-              <a:t>https://</a:t>
-            </a:r>
-            <a:r>
-              <a:rPr lang="en-US" sz="3200" dirty="0" err="1">
-                <a:solidFill>
-                  <a:srgbClr val="82D7F7"/>
-                </a:solidFill>
-              </a:rPr>
-              <a:t>github.com</a:t>
-            </a:r>
-            <a:r>
-              <a:rPr lang="en-US" sz="3200" dirty="0">
-                <a:solidFill>
-                  <a:srgbClr val="82D7F7"/>
-                </a:solidFill>
-              </a:rPr>
-              <a:t>/nickanna42/</a:t>
-            </a:r>
-            <a:r>
-              <a:rPr lang="en-US" sz="3200" dirty="0" err="1">
-                <a:solidFill>
-                  <a:srgbClr val="82D7F7"/>
-                </a:solidFill>
-              </a:rPr>
-              <a:t>react_demo</a:t>
-            </a:r>
-            <a:endParaRPr lang="en-US" sz="3200" dirty="0">
-              <a:solidFill>
-                <a:srgbClr val="82D7F7"/>
-              </a:solidFill>
-            </a:endParaRPr>
           </a:p>
         </p:txBody>
       </p:sp>
